--- a/teaching/cs513-autocps-fall-2024/slides/DynamicalSystems.pptx
+++ b/teaching/cs513-autocps-fall-2024/slides/DynamicalSystems.pptx
@@ -29,8 +29,6 @@
     <p:sldId id="354" r:id="rId23"/>
     <p:sldId id="355" r:id="rId24"/>
     <p:sldId id="356" r:id="rId25"/>
-    <p:sldId id="340" r:id="rId26"/>
-    <p:sldId id="341" r:id="rId27"/>
   </p:sldIdLst>
   <p:sldSz cx="12192000" cy="6858000"/>
   <p:notesSz cx="6858000" cy="9144000"/>
@@ -284,7 +282,7 @@
           <a:p>
             <a:fld id="{67A3F3DB-A97F-42A8-8666-E7552CF620C9}" type="datetimeFigureOut">
               <a:rPr lang="en-US" smtClean="0"/>
-              <a:t>9/11/2023</a:t>
+              <a:t>9/9/2024</a:t>
             </a:fld>
             <a:endParaRPr lang="en-US"/>
           </a:p>
@@ -482,7 +480,7 @@
           <a:p>
             <a:fld id="{67A3F3DB-A97F-42A8-8666-E7552CF620C9}" type="datetimeFigureOut">
               <a:rPr lang="en-US" smtClean="0"/>
-              <a:t>9/11/2023</a:t>
+              <a:t>9/9/2024</a:t>
             </a:fld>
             <a:endParaRPr lang="en-US"/>
           </a:p>
@@ -690,7 +688,7 @@
           <a:p>
             <a:fld id="{67A3F3DB-A97F-42A8-8666-E7552CF620C9}" type="datetimeFigureOut">
               <a:rPr lang="en-US" smtClean="0"/>
-              <a:t>9/11/2023</a:t>
+              <a:t>9/9/2024</a:t>
             </a:fld>
             <a:endParaRPr lang="en-US"/>
           </a:p>
@@ -990,7 +988,7 @@
           <p:nvPr userDrawn="1"/>
         </p:nvPicPr>
         <mc:AlternateContent xmlns:mc="http://schemas.openxmlformats.org/markup-compatibility/2006">
-          <mc:Choice xmlns:ma="http://schemas.microsoft.com/office/mac/drawingml/2008/main" xmlns:mv="urn:schemas-microsoft-com:mac:vml" xmlns="" Requires="ma">
+          <mc:Choice xmlns="" xmlns:mv="urn:schemas-microsoft-com:mac:vml" xmlns:ma="http://schemas.microsoft.com/office/mac/drawingml/2008/main" Requires="ma">
             <p:blipFill>
               <a:blip r:embed="rId3"/>
               <a:stretch>
@@ -1245,7 +1243,7 @@
           <a:p>
             <a:fld id="{67A3F3DB-A97F-42A8-8666-E7552CF620C9}" type="datetimeFigureOut">
               <a:rPr lang="en-US" smtClean="0"/>
-              <a:t>9/11/2023</a:t>
+              <a:t>9/9/2024</a:t>
             </a:fld>
             <a:endParaRPr lang="en-US"/>
           </a:p>
@@ -1520,7 +1518,7 @@
           <a:p>
             <a:fld id="{67A3F3DB-A97F-42A8-8666-E7552CF620C9}" type="datetimeFigureOut">
               <a:rPr lang="en-US" smtClean="0"/>
-              <a:t>9/11/2023</a:t>
+              <a:t>9/9/2024</a:t>
             </a:fld>
             <a:endParaRPr lang="en-US"/>
           </a:p>
@@ -1785,7 +1783,7 @@
           <a:p>
             <a:fld id="{67A3F3DB-A97F-42A8-8666-E7552CF620C9}" type="datetimeFigureOut">
               <a:rPr lang="en-US" smtClean="0"/>
-              <a:t>9/11/2023</a:t>
+              <a:t>9/9/2024</a:t>
             </a:fld>
             <a:endParaRPr lang="en-US"/>
           </a:p>
@@ -2197,7 +2195,7 @@
           <a:p>
             <a:fld id="{67A3F3DB-A97F-42A8-8666-E7552CF620C9}" type="datetimeFigureOut">
               <a:rPr lang="en-US" smtClean="0"/>
-              <a:t>9/11/2023</a:t>
+              <a:t>9/9/2024</a:t>
             </a:fld>
             <a:endParaRPr lang="en-US"/>
           </a:p>
@@ -2338,7 +2336,7 @@
           <a:p>
             <a:fld id="{67A3F3DB-A97F-42A8-8666-E7552CF620C9}" type="datetimeFigureOut">
               <a:rPr lang="en-US" smtClean="0"/>
-              <a:t>9/11/2023</a:t>
+              <a:t>9/9/2024</a:t>
             </a:fld>
             <a:endParaRPr lang="en-US"/>
           </a:p>
@@ -2451,7 +2449,7 @@
           <a:p>
             <a:fld id="{67A3F3DB-A97F-42A8-8666-E7552CF620C9}" type="datetimeFigureOut">
               <a:rPr lang="en-US" smtClean="0"/>
-              <a:t>9/11/2023</a:t>
+              <a:t>9/9/2024</a:t>
             </a:fld>
             <a:endParaRPr lang="en-US"/>
           </a:p>
@@ -2762,7 +2760,7 @@
           <a:p>
             <a:fld id="{67A3F3DB-A97F-42A8-8666-E7552CF620C9}" type="datetimeFigureOut">
               <a:rPr lang="en-US" smtClean="0"/>
-              <a:t>9/11/2023</a:t>
+              <a:t>9/9/2024</a:t>
             </a:fld>
             <a:endParaRPr lang="en-US"/>
           </a:p>
@@ -3050,7 +3048,7 @@
           <a:p>
             <a:fld id="{67A3F3DB-A97F-42A8-8666-E7552CF620C9}" type="datetimeFigureOut">
               <a:rPr lang="en-US" smtClean="0"/>
-              <a:t>9/11/2023</a:t>
+              <a:t>9/9/2024</a:t>
             </a:fld>
             <a:endParaRPr lang="en-US"/>
           </a:p>
@@ -3291,7 +3289,7 @@
           <a:p>
             <a:fld id="{67A3F3DB-A97F-42A8-8666-E7552CF620C9}" type="datetimeFigureOut">
               <a:rPr lang="en-US" smtClean="0"/>
-              <a:t>9/11/2023</a:t>
+              <a:t>9/9/2024</a:t>
             </a:fld>
             <a:endParaRPr lang="en-US"/>
           </a:p>
@@ -3775,7 +3773,7 @@
           <a:p>
             <a:r>
               <a:rPr lang="en-US" dirty="0"/>
-              <a:t>Fall 2023. CS 513.</a:t>
+              <a:t>Fall 2024. CS 513.</a:t>
             </a:r>
           </a:p>
           <a:p>
@@ -7150,8 +7148,8 @@
           <a:chExt cx="0" cy="0"/>
         </a:xfrm>
       </p:grpSpPr>
-      <mc:AlternateContent xmlns:mc="http://schemas.openxmlformats.org/markup-compatibility/2006">
-        <mc:Choice xmlns:a14="http://schemas.microsoft.com/office/drawing/2010/main" Requires="a14">
+      <mc:AlternateContent xmlns:mc="http://schemas.openxmlformats.org/markup-compatibility/2006" xmlns:a14="http://schemas.microsoft.com/office/drawing/2010/main">
+        <mc:Choice Requires="a14">
           <p:sp>
             <p:nvSpPr>
               <p:cNvPr id="2" name="Content Placeholder 1">
@@ -7648,7 +7646,7 @@
             </p:txBody>
           </p:sp>
         </mc:Choice>
-        <mc:Fallback>
+        <mc:Fallback xmlns="">
           <p:sp>
             <p:nvSpPr>
               <p:cNvPr id="2" name="Content Placeholder 1">
@@ -15253,438 +15251,6 @@
 </p:sld>
 </file>
 
-<file path=ppt/slides/slide25.xml><?xml version="1.0" encoding="utf-8"?>
-<p:sld xmlns:a="http://schemas.openxmlformats.org/drawingml/2006/main" xmlns:r="http://schemas.openxmlformats.org/officeDocument/2006/relationships" xmlns:p="http://schemas.openxmlformats.org/presentationml/2006/main" show="0">
-  <p:cSld>
-    <p:spTree>
-      <p:nvGrpSpPr>
-        <p:cNvPr id="1" name=""/>
-        <p:cNvGrpSpPr/>
-        <p:nvPr/>
-      </p:nvGrpSpPr>
-      <p:grpSpPr>
-        <a:xfrm>
-          <a:off x="0" y="0"/>
-          <a:ext cx="0" cy="0"/>
-          <a:chOff x="0" y="0"/>
-          <a:chExt cx="0" cy="0"/>
-        </a:xfrm>
-      </p:grpSpPr>
-      <p:sp>
-        <p:nvSpPr>
-          <p:cNvPr id="2" name="Content Placeholder 1">
-            <a:extLst>
-              <a:ext uri="{FF2B5EF4-FFF2-40B4-BE49-F238E27FC236}">
-                <a16:creationId xmlns:a16="http://schemas.microsoft.com/office/drawing/2014/main" id="{534CD08F-CA9D-40D5-A2BC-E098CFEFB91A}"/>
-              </a:ext>
-            </a:extLst>
-          </p:cNvPr>
-          <p:cNvSpPr>
-            <a:spLocks noGrp="1"/>
-          </p:cNvSpPr>
-          <p:nvPr>
-            <p:ph idx="1"/>
-          </p:nvPr>
-        </p:nvSpPr>
-        <p:spPr>
-          <a:xfrm>
-            <a:off x="6697216" y="2217728"/>
-            <a:ext cx="5415272" cy="778828"/>
-          </a:xfrm>
-        </p:spPr>
-        <p:txBody>
-          <a:bodyPr>
-            <a:normAutofit/>
-          </a:bodyPr>
-          <a:lstStyle/>
-          <a:p>
-            <a:r>
-              <a:rPr lang="en-US" dirty="0"/>
-              <a:t>Plot of Signals vs. Time</a:t>
-            </a:r>
-          </a:p>
-        </p:txBody>
-      </p:sp>
-      <p:sp>
-        <p:nvSpPr>
-          <p:cNvPr id="3" name="Title 2">
-            <a:extLst>
-              <a:ext uri="{FF2B5EF4-FFF2-40B4-BE49-F238E27FC236}">
-                <a16:creationId xmlns:a16="http://schemas.microsoft.com/office/drawing/2014/main" id="{C8E54B2C-3BB2-4462-AECF-971A60E5C118}"/>
-              </a:ext>
-            </a:extLst>
-          </p:cNvPr>
-          <p:cNvSpPr>
-            <a:spLocks noGrp="1"/>
-          </p:cNvSpPr>
-          <p:nvPr>
-            <p:ph type="title"/>
-          </p:nvPr>
-        </p:nvSpPr>
-        <p:spPr/>
-        <p:txBody>
-          <a:bodyPr/>
-          <a:lstStyle/>
-          <a:p>
-            <a:r>
-              <a:rPr lang="en-US" dirty="0"/>
-              <a:t>Simulink and Breach Brief Demo</a:t>
-            </a:r>
-          </a:p>
-        </p:txBody>
-      </p:sp>
-      <p:sp>
-        <p:nvSpPr>
-          <p:cNvPr id="4" name="Slide Number Placeholder 3">
-            <a:extLst>
-              <a:ext uri="{FF2B5EF4-FFF2-40B4-BE49-F238E27FC236}">
-                <a16:creationId xmlns:a16="http://schemas.microsoft.com/office/drawing/2014/main" id="{028B1A85-4B11-4CDA-AEFD-EF4B95756944}"/>
-              </a:ext>
-            </a:extLst>
-          </p:cNvPr>
-          <p:cNvSpPr>
-            <a:spLocks noGrp="1"/>
-          </p:cNvSpPr>
-          <p:nvPr>
-            <p:ph type="sldNum" sz="quarter" idx="12"/>
-          </p:nvPr>
-        </p:nvSpPr>
-        <p:spPr/>
-        <p:txBody>
-          <a:bodyPr/>
-          <a:lstStyle/>
-          <a:p>
-            <a:fld id="{29AAD378-655A-49C6-813C-9FD132EF7440}" type="slidenum">
-              <a:rPr lang="en-US" smtClean="0"/>
-              <a:pPr/>
-              <a:t>25</a:t>
-            </a:fld>
-            <a:endParaRPr lang="en-US" dirty="0"/>
-          </a:p>
-        </p:txBody>
-      </p:sp>
-      <p:pic>
-        <p:nvPicPr>
-          <p:cNvPr id="7" name="Picture 6">
-            <a:extLst>
-              <a:ext uri="{FF2B5EF4-FFF2-40B4-BE49-F238E27FC236}">
-                <a16:creationId xmlns:a16="http://schemas.microsoft.com/office/drawing/2014/main" id="{D94809EE-DAF8-40E1-A11F-DBC179036642}"/>
-              </a:ext>
-            </a:extLst>
-          </p:cNvPr>
-          <p:cNvPicPr>
-            <a:picLocks noChangeAspect="1"/>
-          </p:cNvPicPr>
-          <p:nvPr/>
-        </p:nvPicPr>
-        <p:blipFill rotWithShape="1">
-          <a:blip r:embed="rId2"/>
-          <a:srcRect l="7724" t="14203" r="7328" b="4294"/>
-          <a:stretch/>
-        </p:blipFill>
-        <p:spPr>
-          <a:xfrm>
-            <a:off x="79512" y="1164796"/>
-            <a:ext cx="5850837" cy="4582687"/>
-          </a:xfrm>
-          <a:prstGeom prst="rect">
-            <a:avLst/>
-          </a:prstGeom>
-        </p:spPr>
-      </p:pic>
-    </p:spTree>
-    <p:extLst>
-      <p:ext uri="{BB962C8B-B14F-4D97-AF65-F5344CB8AC3E}">
-        <p14:creationId xmlns:p14="http://schemas.microsoft.com/office/powerpoint/2010/main" val="1901285827"/>
-      </p:ext>
-    </p:extLst>
-  </p:cSld>
-  <p:clrMapOvr>
-    <a:masterClrMapping/>
-  </p:clrMapOvr>
-</p:sld>
-</file>
-
-<file path=ppt/slides/slide26.xml><?xml version="1.0" encoding="utf-8"?>
-<p:sld xmlns:a="http://schemas.openxmlformats.org/drawingml/2006/main" xmlns:r="http://schemas.openxmlformats.org/officeDocument/2006/relationships" xmlns:p="http://schemas.openxmlformats.org/presentationml/2006/main" show="0">
-  <p:cSld>
-    <p:spTree>
-      <p:nvGrpSpPr>
-        <p:cNvPr id="1" name=""/>
-        <p:cNvGrpSpPr/>
-        <p:nvPr/>
-      </p:nvGrpSpPr>
-      <p:grpSpPr>
-        <a:xfrm>
-          <a:off x="0" y="0"/>
-          <a:ext cx="0" cy="0"/>
-          <a:chOff x="0" y="0"/>
-          <a:chExt cx="0" cy="0"/>
-        </a:xfrm>
-      </p:grpSpPr>
-      <p:sp>
-        <p:nvSpPr>
-          <p:cNvPr id="3" name="Title 2">
-            <a:extLst>
-              <a:ext uri="{FF2B5EF4-FFF2-40B4-BE49-F238E27FC236}">
-                <a16:creationId xmlns:a16="http://schemas.microsoft.com/office/drawing/2014/main" id="{9C63E7C2-8151-4F2C-B130-B1444A038A7A}"/>
-              </a:ext>
-            </a:extLst>
-          </p:cNvPr>
-          <p:cNvSpPr>
-            <a:spLocks noGrp="1"/>
-          </p:cNvSpPr>
-          <p:nvPr>
-            <p:ph type="title"/>
-          </p:nvPr>
-        </p:nvSpPr>
-        <p:spPr/>
-        <p:txBody>
-          <a:bodyPr/>
-          <a:lstStyle/>
-          <a:p>
-            <a:r>
-              <a:rPr lang="en-US" dirty="0"/>
-              <a:t>Simulink and Breach Demo</a:t>
-            </a:r>
-          </a:p>
-        </p:txBody>
-      </p:sp>
-      <p:sp>
-        <p:nvSpPr>
-          <p:cNvPr id="4" name="Slide Number Placeholder 3">
-            <a:extLst>
-              <a:ext uri="{FF2B5EF4-FFF2-40B4-BE49-F238E27FC236}">
-                <a16:creationId xmlns:a16="http://schemas.microsoft.com/office/drawing/2014/main" id="{8F7D9CA3-B262-422D-BA61-7A8520C03D2B}"/>
-              </a:ext>
-            </a:extLst>
-          </p:cNvPr>
-          <p:cNvSpPr>
-            <a:spLocks noGrp="1"/>
-          </p:cNvSpPr>
-          <p:nvPr>
-            <p:ph type="sldNum" sz="quarter" idx="12"/>
-          </p:nvPr>
-        </p:nvSpPr>
-        <p:spPr/>
-        <p:txBody>
-          <a:bodyPr/>
-          <a:lstStyle/>
-          <a:p>
-            <a:fld id="{29AAD378-655A-49C6-813C-9FD132EF7440}" type="slidenum">
-              <a:rPr lang="en-US" smtClean="0"/>
-              <a:pPr/>
-              <a:t>26</a:t>
-            </a:fld>
-            <a:endParaRPr lang="en-US" dirty="0"/>
-          </a:p>
-        </p:txBody>
-      </p:sp>
-      <mc:AlternateContent xmlns:mc="http://schemas.openxmlformats.org/markup-compatibility/2006" xmlns:a14="http://schemas.microsoft.com/office/drawing/2010/main">
-        <mc:Choice Requires="a14">
-          <p:sp>
-            <p:nvSpPr>
-              <p:cNvPr id="6" name="Content Placeholder 1">
-                <a:extLst>
-                  <a:ext uri="{FF2B5EF4-FFF2-40B4-BE49-F238E27FC236}">
-                    <a16:creationId xmlns:a16="http://schemas.microsoft.com/office/drawing/2014/main" id="{8834081C-2557-4C5F-9112-59453D215E2C}"/>
-                  </a:ext>
-                </a:extLst>
-              </p:cNvPr>
-              <p:cNvSpPr>
-                <a:spLocks noGrp="1"/>
-              </p:cNvSpPr>
-              <p:nvPr>
-                <p:ph idx="1"/>
-              </p:nvPr>
-            </p:nvSpPr>
-            <p:spPr>
-              <a:xfrm>
-                <a:off x="308113" y="1743743"/>
-                <a:ext cx="5415272" cy="1993369"/>
-              </a:xfrm>
-            </p:spPr>
-            <p:txBody>
-              <a:bodyPr>
-                <a:normAutofit/>
-              </a:bodyPr>
-              <a:lstStyle/>
-              <a:p>
-                <a:r>
-                  <a:rPr lang="en-US" dirty="0"/>
-                  <a:t>Plot in phase-space or state-space.</a:t>
-                </a:r>
-              </a:p>
-              <a:p>
-                <a:r>
-                  <a:rPr lang="en-US" dirty="0"/>
-                  <a:t>Shows trajectory of states starting from </a:t>
-                </a:r>
-                <a14:m>
-                  <m:oMath xmlns:m="http://schemas.openxmlformats.org/officeDocument/2006/math">
-                    <m:sSub>
-                      <m:sSubPr>
-                        <m:ctrlPr>
-                          <a:rPr lang="en-US" b="0" i="1" smtClean="0">
-                            <a:latin typeface="Cambria Math" panose="02040503050406030204" pitchFamily="18" charset="0"/>
-                          </a:rPr>
-                        </m:ctrlPr>
-                      </m:sSubPr>
-                      <m:e>
-                        <m:r>
-                          <a:rPr lang="en-US" b="0" i="1" smtClean="0">
-                            <a:latin typeface="Cambria Math" panose="02040503050406030204" pitchFamily="18" charset="0"/>
-                          </a:rPr>
-                          <m:t>𝑥</m:t>
-                        </m:r>
-                      </m:e>
-                      <m:sub>
-                        <m:r>
-                          <a:rPr lang="en-US" b="0" i="1" smtClean="0">
-                            <a:latin typeface="Cambria Math" panose="02040503050406030204" pitchFamily="18" charset="0"/>
-                          </a:rPr>
-                          <m:t>0</m:t>
-                        </m:r>
-                      </m:sub>
-                    </m:sSub>
-                    <m:r>
-                      <a:rPr lang="en-US" b="0" i="0" smtClean="0">
-                        <a:latin typeface="Cambria Math" panose="02040503050406030204" pitchFamily="18" charset="0"/>
-                      </a:rPr>
-                      <m:t>=5</m:t>
-                    </m:r>
-                  </m:oMath>
-                </a14:m>
-                <a:r>
-                  <a:rPr lang="en-US" dirty="0"/>
-                  <a:t>, </a:t>
-                </a:r>
-                <a14:m>
-                  <m:oMath xmlns:m="http://schemas.openxmlformats.org/officeDocument/2006/math">
-                    <m:sSub>
-                      <m:sSubPr>
-                        <m:ctrlPr>
-                          <a:rPr lang="en-US" b="0" i="1" smtClean="0">
-                            <a:latin typeface="Cambria Math" panose="02040503050406030204" pitchFamily="18" charset="0"/>
-                          </a:rPr>
-                        </m:ctrlPr>
-                      </m:sSubPr>
-                      <m:e>
-                        <m:r>
-                          <a:rPr lang="en-US" b="0" i="1" smtClean="0">
-                            <a:latin typeface="Cambria Math" panose="02040503050406030204" pitchFamily="18" charset="0"/>
-                          </a:rPr>
-                          <m:t>𝑣</m:t>
-                        </m:r>
-                      </m:e>
-                      <m:sub>
-                        <m:r>
-                          <a:rPr lang="en-US" b="0" i="1" smtClean="0">
-                            <a:latin typeface="Cambria Math" panose="02040503050406030204" pitchFamily="18" charset="0"/>
-                          </a:rPr>
-                          <m:t>0</m:t>
-                        </m:r>
-                      </m:sub>
-                    </m:sSub>
-                    <m:r>
-                      <a:rPr lang="en-US" b="0" i="1" smtClean="0">
-                        <a:latin typeface="Cambria Math" panose="02040503050406030204" pitchFamily="18" charset="0"/>
-                      </a:rPr>
-                      <m:t>=20</m:t>
-                    </m:r>
-                  </m:oMath>
-                </a14:m>
-                <a:endParaRPr lang="en-US" dirty="0"/>
-              </a:p>
-            </p:txBody>
-          </p:sp>
-        </mc:Choice>
-        <mc:Fallback xmlns="">
-          <p:sp>
-            <p:nvSpPr>
-              <p:cNvPr id="6" name="Content Placeholder 1">
-                <a:extLst>
-                  <a:ext uri="{FF2B5EF4-FFF2-40B4-BE49-F238E27FC236}">
-                    <a16:creationId xmlns:a16="http://schemas.microsoft.com/office/drawing/2014/main" id="{8834081C-2557-4C5F-9112-59453D215E2C}"/>
-                  </a:ext>
-                </a:extLst>
-              </p:cNvPr>
-              <p:cNvSpPr>
-                <a:spLocks noGrp="1" noRot="1" noChangeAspect="1" noMove="1" noResize="1" noEditPoints="1" noAdjustHandles="1" noChangeArrowheads="1" noChangeShapeType="1" noTextEdit="1"/>
-              </p:cNvSpPr>
-              <p:nvPr>
-                <p:ph idx="1"/>
-              </p:nvPr>
-            </p:nvSpPr>
-            <p:spPr>
-              <a:xfrm>
-                <a:off x="308113" y="1743743"/>
-                <a:ext cx="5415272" cy="1993369"/>
-              </a:xfrm>
-              <a:blipFill>
-                <a:blip r:embed="rId2"/>
-                <a:stretch>
-                  <a:fillRect l="-1464" t="-4893"/>
-                </a:stretch>
-              </a:blipFill>
-            </p:spPr>
-            <p:txBody>
-              <a:bodyPr/>
-              <a:lstStyle/>
-              <a:p>
-                <a:r>
-                  <a:rPr lang="en-US">
-                    <a:noFill/>
-                  </a:rPr>
-                  <a:t> </a:t>
-                </a:r>
-              </a:p>
-            </p:txBody>
-          </p:sp>
-        </mc:Fallback>
-      </mc:AlternateContent>
-      <p:pic>
-        <p:nvPicPr>
-          <p:cNvPr id="7" name="Picture 6">
-            <a:extLst>
-              <a:ext uri="{FF2B5EF4-FFF2-40B4-BE49-F238E27FC236}">
-                <a16:creationId xmlns:a16="http://schemas.microsoft.com/office/drawing/2014/main" id="{3F2EF1F2-118E-478E-B404-81F678113DD1}"/>
-              </a:ext>
-            </a:extLst>
-          </p:cNvPr>
-          <p:cNvPicPr>
-            <a:picLocks noChangeAspect="1"/>
-          </p:cNvPicPr>
-          <p:nvPr/>
-        </p:nvPicPr>
-        <p:blipFill rotWithShape="1">
-          <a:blip r:embed="rId3"/>
-          <a:srcRect l="5654" t="18797" r="6794"/>
-          <a:stretch/>
-        </p:blipFill>
-        <p:spPr>
-          <a:xfrm>
-            <a:off x="6096000" y="1209202"/>
-            <a:ext cx="5592417" cy="4595861"/>
-          </a:xfrm>
-          <a:prstGeom prst="rect">
-            <a:avLst/>
-          </a:prstGeom>
-        </p:spPr>
-      </p:pic>
-    </p:spTree>
-    <p:extLst>
-      <p:ext uri="{BB962C8B-B14F-4D97-AF65-F5344CB8AC3E}">
-        <p14:creationId xmlns:p14="http://schemas.microsoft.com/office/powerpoint/2010/main" val="1332662941"/>
-      </p:ext>
-    </p:extLst>
-  </p:cSld>
-  <p:clrMapOvr>
-    <a:masterClrMapping/>
-  </p:clrMapOvr>
-</p:sld>
-</file>
-
 <file path=ppt/slides/slide3.xml><?xml version="1.0" encoding="utf-8"?>
 <p:sld xmlns:a="http://schemas.openxmlformats.org/drawingml/2006/main" xmlns:r="http://schemas.openxmlformats.org/officeDocument/2006/relationships" xmlns:p="http://schemas.openxmlformats.org/presentationml/2006/main">
   <p:cSld>
@@ -15822,12 +15388,6 @@
             <a:r>
               <a:rPr lang="en-US" dirty="0"/>
               <a:t>Could include algebraic relations between state variables</a:t>
-            </a:r>
-          </a:p>
-          <a:p>
-            <a:r>
-              <a:rPr lang="en-US" dirty="0"/>
-              <a:t>Execution semantics similar to synchronous models, but with continuous-time semantics instead of discrete-time</a:t>
             </a:r>
           </a:p>
           <a:p>
